--- a/comet_GUI_guide.pptx
+++ b/comet_GUI_guide.pptx
@@ -138,6 +138,14 @@
       </a:defRPr>
     </a:lvl9pPr>
   </p:defaultTextStyle>
+  <p:extLst>
+    <p:ext uri="{EFAFB233-063F-42B5-8137-9DF3F51BA10A}">
+      <p15:sldGuideLst xmlns:p15="http://schemas.microsoft.com/office/powerpoint/2012/main"/>
+    </p:ext>
+    <p:ext uri="{2D200454-40CA-4A62-9FC3-DE9A4176ACB9}">
+      <p15:notesGuideLst xmlns:p15="http://schemas.microsoft.com/office/powerpoint/2012/main"/>
+    </p:ext>
+  </p:extLst>
 </p:presentation>
 </file>
 
@@ -223,7 +231,7 @@
           <a:p>
             <a:fld id="{E5F2FE22-6833-2F41-86BD-1BE15F9BE80E}" type="datetimeFigureOut">
               <a:rPr lang="en-US" smtClean="0"/>
-              <a:t>1/14/19</a:t>
+              <a:t>1/15/19</a:t>
             </a:fld>
             <a:endParaRPr lang="en-US"/>
           </a:p>
@@ -3250,7 +3258,7 @@
           <a:p>
             <a:fld id="{21A622CB-D7ED-BA4C-94C6-30678C010292}" type="datetimeFigureOut">
               <a:rPr lang="en-US" smtClean="0"/>
-              <a:t>1/14/19</a:t>
+              <a:t>1/15/19</a:t>
             </a:fld>
             <a:endParaRPr lang="en-US"/>
           </a:p>
@@ -3448,7 +3456,7 @@
           <a:p>
             <a:fld id="{21A622CB-D7ED-BA4C-94C6-30678C010292}" type="datetimeFigureOut">
               <a:rPr lang="en-US" smtClean="0"/>
-              <a:t>1/14/19</a:t>
+              <a:t>1/15/19</a:t>
             </a:fld>
             <a:endParaRPr lang="en-US"/>
           </a:p>
@@ -3656,7 +3664,7 @@
           <a:p>
             <a:fld id="{21A622CB-D7ED-BA4C-94C6-30678C010292}" type="datetimeFigureOut">
               <a:rPr lang="en-US" smtClean="0"/>
-              <a:t>1/14/19</a:t>
+              <a:t>1/15/19</a:t>
             </a:fld>
             <a:endParaRPr lang="en-US"/>
           </a:p>
@@ -3854,7 +3862,7 @@
           <a:p>
             <a:fld id="{21A622CB-D7ED-BA4C-94C6-30678C010292}" type="datetimeFigureOut">
               <a:rPr lang="en-US" smtClean="0"/>
-              <a:t>1/14/19</a:t>
+              <a:t>1/15/19</a:t>
             </a:fld>
             <a:endParaRPr lang="en-US"/>
           </a:p>
@@ -4129,7 +4137,7 @@
           <a:p>
             <a:fld id="{21A622CB-D7ED-BA4C-94C6-30678C010292}" type="datetimeFigureOut">
               <a:rPr lang="en-US" smtClean="0"/>
-              <a:t>1/14/19</a:t>
+              <a:t>1/15/19</a:t>
             </a:fld>
             <a:endParaRPr lang="en-US"/>
           </a:p>
@@ -4394,7 +4402,7 @@
           <a:p>
             <a:fld id="{21A622CB-D7ED-BA4C-94C6-30678C010292}" type="datetimeFigureOut">
               <a:rPr lang="en-US" smtClean="0"/>
-              <a:t>1/14/19</a:t>
+              <a:t>1/15/19</a:t>
             </a:fld>
             <a:endParaRPr lang="en-US"/>
           </a:p>
@@ -4806,7 +4814,7 @@
           <a:p>
             <a:fld id="{21A622CB-D7ED-BA4C-94C6-30678C010292}" type="datetimeFigureOut">
               <a:rPr lang="en-US" smtClean="0"/>
-              <a:t>1/14/19</a:t>
+              <a:t>1/15/19</a:t>
             </a:fld>
             <a:endParaRPr lang="en-US"/>
           </a:p>
@@ -4947,7 +4955,7 @@
           <a:p>
             <a:fld id="{21A622CB-D7ED-BA4C-94C6-30678C010292}" type="datetimeFigureOut">
               <a:rPr lang="en-US" smtClean="0"/>
-              <a:t>1/14/19</a:t>
+              <a:t>1/15/19</a:t>
             </a:fld>
             <a:endParaRPr lang="en-US"/>
           </a:p>
@@ -5060,7 +5068,7 @@
           <a:p>
             <a:fld id="{21A622CB-D7ED-BA4C-94C6-30678C010292}" type="datetimeFigureOut">
               <a:rPr lang="en-US" smtClean="0"/>
-              <a:t>1/14/19</a:t>
+              <a:t>1/15/19</a:t>
             </a:fld>
             <a:endParaRPr lang="en-US"/>
           </a:p>
@@ -5371,7 +5379,7 @@
           <a:p>
             <a:fld id="{21A622CB-D7ED-BA4C-94C6-30678C010292}" type="datetimeFigureOut">
               <a:rPr lang="en-US" smtClean="0"/>
-              <a:t>1/14/19</a:t>
+              <a:t>1/15/19</a:t>
             </a:fld>
             <a:endParaRPr lang="en-US"/>
           </a:p>
@@ -5659,7 +5667,7 @@
           <a:p>
             <a:fld id="{21A622CB-D7ED-BA4C-94C6-30678C010292}" type="datetimeFigureOut">
               <a:rPr lang="en-US" smtClean="0"/>
-              <a:t>1/14/19</a:t>
+              <a:t>1/15/19</a:t>
             </a:fld>
             <a:endParaRPr lang="en-US"/>
           </a:p>
@@ -5900,7 +5908,7 @@
           <a:p>
             <a:fld id="{21A622CB-D7ED-BA4C-94C6-30678C010292}" type="datetimeFigureOut">
               <a:rPr lang="en-US" smtClean="0"/>
-              <a:t>1/14/19</a:t>
+              <a:t>1/15/19</a:t>
             </a:fld>
             <a:endParaRPr lang="en-US"/>
           </a:p>
@@ -7882,6 +7890,48 @@
           </a:prstGeom>
         </p:spPr>
       </p:pic>
+      <p:cxnSp>
+        <p:nvCxnSpPr>
+          <p:cNvPr id="4" name="Straight Arrow Connector 3">
+            <a:extLst>
+              <a:ext uri="{FF2B5EF4-FFF2-40B4-BE49-F238E27FC236}">
+                <a16:creationId xmlns:a16="http://schemas.microsoft.com/office/drawing/2014/main" id="{40444523-5022-A343-862D-3557235BFDC2}"/>
+              </a:ext>
+            </a:extLst>
+          </p:cNvPr>
+          <p:cNvCxnSpPr/>
+          <p:nvPr/>
+        </p:nvCxnSpPr>
+        <p:spPr>
+          <a:xfrm flipH="1">
+            <a:off x="4594034" y="2335576"/>
+            <a:ext cx="815248" cy="0"/>
+          </a:xfrm>
+          <a:prstGeom prst="straightConnector1">
+            <a:avLst/>
+          </a:prstGeom>
+          <a:ln w="38100">
+            <a:solidFill>
+              <a:srgbClr val="FF0000"/>
+            </a:solidFill>
+            <a:tailEnd type="triangle"/>
+          </a:ln>
+        </p:spPr>
+        <p:style>
+          <a:lnRef idx="1">
+            <a:schemeClr val="accent1"/>
+          </a:lnRef>
+          <a:fillRef idx="0">
+            <a:schemeClr val="accent1"/>
+          </a:fillRef>
+          <a:effectRef idx="0">
+            <a:schemeClr val="accent1"/>
+          </a:effectRef>
+          <a:fontRef idx="minor">
+            <a:schemeClr val="tx1"/>
+          </a:fontRef>
+        </p:style>
+      </p:cxnSp>
     </p:spTree>
     <p:extLst>
       <p:ext uri="{BB962C8B-B14F-4D97-AF65-F5344CB8AC3E}">
@@ -8166,6 +8216,100 @@
           </a:prstGeom>
         </p:spPr>
       </p:pic>
+      <p:sp>
+        <p:nvSpPr>
+          <p:cNvPr id="2" name="Oval 1">
+            <a:extLst>
+              <a:ext uri="{FF2B5EF4-FFF2-40B4-BE49-F238E27FC236}">
+                <a16:creationId xmlns:a16="http://schemas.microsoft.com/office/drawing/2014/main" id="{3276721E-BFCF-4442-871B-AF36CBDBA8FE}"/>
+              </a:ext>
+            </a:extLst>
+          </p:cNvPr>
+          <p:cNvSpPr/>
+          <p:nvPr/>
+        </p:nvSpPr>
+        <p:spPr>
+          <a:xfrm>
+            <a:off x="4329629" y="6081311"/>
+            <a:ext cx="3459296" cy="539826"/>
+          </a:xfrm>
+          <a:prstGeom prst="ellipse">
+            <a:avLst/>
+          </a:prstGeom>
+          <a:noFill/>
+          <a:ln w="38100">
+            <a:solidFill>
+              <a:srgbClr val="FF0000"/>
+            </a:solidFill>
+          </a:ln>
+        </p:spPr>
+        <p:style>
+          <a:lnRef idx="2">
+            <a:schemeClr val="accent1">
+              <a:shade val="50000"/>
+            </a:schemeClr>
+          </a:lnRef>
+          <a:fillRef idx="1">
+            <a:schemeClr val="accent1"/>
+          </a:fillRef>
+          <a:effectRef idx="0">
+            <a:schemeClr val="accent1"/>
+          </a:effectRef>
+          <a:fontRef idx="minor">
+            <a:schemeClr val="lt1"/>
+          </a:fontRef>
+        </p:style>
+        <p:txBody>
+          <a:bodyPr rtlCol="0" anchor="ctr"/>
+          <a:lstStyle/>
+          <a:p>
+            <a:pPr algn="ctr"/>
+            <a:endParaRPr lang="en-US"/>
+          </a:p>
+        </p:txBody>
+      </p:sp>
+      <p:cxnSp>
+        <p:nvCxnSpPr>
+          <p:cNvPr id="5" name="Straight Arrow Connector 4">
+            <a:extLst>
+              <a:ext uri="{FF2B5EF4-FFF2-40B4-BE49-F238E27FC236}">
+                <a16:creationId xmlns:a16="http://schemas.microsoft.com/office/drawing/2014/main" id="{AA9DCB71-F585-0949-A74B-E5C5E86E13E9}"/>
+              </a:ext>
+            </a:extLst>
+          </p:cNvPr>
+          <p:cNvCxnSpPr/>
+          <p:nvPr/>
+        </p:nvCxnSpPr>
+        <p:spPr>
+          <a:xfrm flipH="1">
+            <a:off x="6323682" y="5894024"/>
+            <a:ext cx="594911" cy="0"/>
+          </a:xfrm>
+          <a:prstGeom prst="straightConnector1">
+            <a:avLst/>
+          </a:prstGeom>
+          <a:ln w="38100">
+            <a:solidFill>
+              <a:srgbClr val="FF0000"/>
+            </a:solidFill>
+            <a:tailEnd type="triangle"/>
+          </a:ln>
+        </p:spPr>
+        <p:style>
+          <a:lnRef idx="1">
+            <a:schemeClr val="accent1"/>
+          </a:lnRef>
+          <a:fillRef idx="0">
+            <a:schemeClr val="accent1"/>
+          </a:fillRef>
+          <a:effectRef idx="0">
+            <a:schemeClr val="accent1"/>
+          </a:effectRef>
+          <a:fontRef idx="minor">
+            <a:schemeClr val="tx1"/>
+          </a:fontRef>
+        </p:style>
+      </p:cxnSp>
     </p:spTree>
     <p:extLst>
       <p:ext uri="{BB962C8B-B14F-4D97-AF65-F5344CB8AC3E}">
@@ -8286,6 +8430,58 @@
           </a:prstGeom>
         </p:spPr>
       </p:pic>
+      <p:sp>
+        <p:nvSpPr>
+          <p:cNvPr id="2" name="Oval 1">
+            <a:extLst>
+              <a:ext uri="{FF2B5EF4-FFF2-40B4-BE49-F238E27FC236}">
+                <a16:creationId xmlns:a16="http://schemas.microsoft.com/office/drawing/2014/main" id="{0AF9E0BF-03F0-A742-9869-D0E6A2672BFD}"/>
+              </a:ext>
+            </a:extLst>
+          </p:cNvPr>
+          <p:cNvSpPr/>
+          <p:nvPr/>
+        </p:nvSpPr>
+        <p:spPr>
+          <a:xfrm>
+            <a:off x="2005070" y="5916058"/>
+            <a:ext cx="2203373" cy="910192"/>
+          </a:xfrm>
+          <a:prstGeom prst="ellipse">
+            <a:avLst/>
+          </a:prstGeom>
+          <a:noFill/>
+          <a:ln w="38100">
+            <a:solidFill>
+              <a:srgbClr val="FF0000"/>
+            </a:solidFill>
+          </a:ln>
+        </p:spPr>
+        <p:style>
+          <a:lnRef idx="2">
+            <a:schemeClr val="accent1">
+              <a:shade val="50000"/>
+            </a:schemeClr>
+          </a:lnRef>
+          <a:fillRef idx="1">
+            <a:schemeClr val="accent1"/>
+          </a:fillRef>
+          <a:effectRef idx="0">
+            <a:schemeClr val="accent1"/>
+          </a:effectRef>
+          <a:fontRef idx="minor">
+            <a:schemeClr val="lt1"/>
+          </a:fontRef>
+        </p:style>
+        <p:txBody>
+          <a:bodyPr rtlCol="0" anchor="ctr"/>
+          <a:lstStyle/>
+          <a:p>
+            <a:pPr algn="ctr"/>
+            <a:endParaRPr lang="en-US"/>
+          </a:p>
+        </p:txBody>
+      </p:sp>
     </p:spTree>
     <p:extLst>
       <p:ext uri="{BB962C8B-B14F-4D97-AF65-F5344CB8AC3E}">
@@ -8568,6 +8764,48 @@
           </a:prstGeom>
         </p:spPr>
       </p:pic>
+      <p:cxnSp>
+        <p:nvCxnSpPr>
+          <p:cNvPr id="4" name="Straight Arrow Connector 3">
+            <a:extLst>
+              <a:ext uri="{FF2B5EF4-FFF2-40B4-BE49-F238E27FC236}">
+                <a16:creationId xmlns:a16="http://schemas.microsoft.com/office/drawing/2014/main" id="{EBB44315-0BE0-FD4C-ACA9-E93AC1F09C52}"/>
+              </a:ext>
+            </a:extLst>
+          </p:cNvPr>
+          <p:cNvCxnSpPr/>
+          <p:nvPr/>
+        </p:nvCxnSpPr>
+        <p:spPr>
+          <a:xfrm flipH="1">
+            <a:off x="4616067" y="2732183"/>
+            <a:ext cx="925417" cy="0"/>
+          </a:xfrm>
+          <a:prstGeom prst="straightConnector1">
+            <a:avLst/>
+          </a:prstGeom>
+          <a:ln w="57150">
+            <a:solidFill>
+              <a:srgbClr val="FF0000"/>
+            </a:solidFill>
+            <a:tailEnd type="triangle"/>
+          </a:ln>
+        </p:spPr>
+        <p:style>
+          <a:lnRef idx="1">
+            <a:schemeClr val="accent1"/>
+          </a:lnRef>
+          <a:fillRef idx="0">
+            <a:schemeClr val="accent1"/>
+          </a:fillRef>
+          <a:effectRef idx="0">
+            <a:schemeClr val="accent1"/>
+          </a:effectRef>
+          <a:fontRef idx="minor">
+            <a:schemeClr val="tx1"/>
+          </a:fontRef>
+        </p:style>
+      </p:cxnSp>
     </p:spTree>
     <p:extLst>
       <p:ext uri="{BB962C8B-B14F-4D97-AF65-F5344CB8AC3E}">
@@ -9510,6 +9748,58 @@
           </a:prstGeom>
         </p:spPr>
       </p:pic>
+      <p:sp>
+        <p:nvSpPr>
+          <p:cNvPr id="2" name="Oval 1">
+            <a:extLst>
+              <a:ext uri="{FF2B5EF4-FFF2-40B4-BE49-F238E27FC236}">
+                <a16:creationId xmlns:a16="http://schemas.microsoft.com/office/drawing/2014/main" id="{C2DE5CAF-B069-2146-BA29-E77A39A5D931}"/>
+              </a:ext>
+            </a:extLst>
+          </p:cNvPr>
+          <p:cNvSpPr/>
+          <p:nvPr/>
+        </p:nvSpPr>
+        <p:spPr>
+          <a:xfrm>
+            <a:off x="1828801" y="6070294"/>
+            <a:ext cx="2511846" cy="661012"/>
+          </a:xfrm>
+          <a:prstGeom prst="ellipse">
+            <a:avLst/>
+          </a:prstGeom>
+          <a:noFill/>
+          <a:ln w="38100">
+            <a:solidFill>
+              <a:srgbClr val="FF0000"/>
+            </a:solidFill>
+          </a:ln>
+        </p:spPr>
+        <p:style>
+          <a:lnRef idx="2">
+            <a:schemeClr val="accent1">
+              <a:shade val="50000"/>
+            </a:schemeClr>
+          </a:lnRef>
+          <a:fillRef idx="1">
+            <a:schemeClr val="accent1"/>
+          </a:fillRef>
+          <a:effectRef idx="0">
+            <a:schemeClr val="accent1"/>
+          </a:effectRef>
+          <a:fontRef idx="minor">
+            <a:schemeClr val="lt1"/>
+          </a:fontRef>
+        </p:style>
+        <p:txBody>
+          <a:bodyPr rtlCol="0" anchor="ctr"/>
+          <a:lstStyle/>
+          <a:p>
+            <a:pPr algn="ctr"/>
+            <a:endParaRPr lang="en-US"/>
+          </a:p>
+        </p:txBody>
+      </p:sp>
     </p:spTree>
     <p:extLst>
       <p:ext uri="{BB962C8B-B14F-4D97-AF65-F5344CB8AC3E}">
@@ -9570,6 +9860,168 @@
           </a:prstGeom>
         </p:spPr>
       </p:pic>
+      <p:cxnSp>
+        <p:nvCxnSpPr>
+          <p:cNvPr id="4" name="Straight Arrow Connector 3">
+            <a:extLst>
+              <a:ext uri="{FF2B5EF4-FFF2-40B4-BE49-F238E27FC236}">
+                <a16:creationId xmlns:a16="http://schemas.microsoft.com/office/drawing/2014/main" id="{8CE2F5CC-026D-CB43-9BA9-C849A652B430}"/>
+              </a:ext>
+            </a:extLst>
+          </p:cNvPr>
+          <p:cNvCxnSpPr/>
+          <p:nvPr/>
+        </p:nvCxnSpPr>
+        <p:spPr>
+          <a:xfrm flipH="1">
+            <a:off x="4395730" y="2952520"/>
+            <a:ext cx="352540" cy="0"/>
+          </a:xfrm>
+          <a:prstGeom prst="straightConnector1">
+            <a:avLst/>
+          </a:prstGeom>
+          <a:ln w="38100">
+            <a:solidFill>
+              <a:srgbClr val="FF0000"/>
+            </a:solidFill>
+            <a:tailEnd type="triangle"/>
+          </a:ln>
+        </p:spPr>
+        <p:style>
+          <a:lnRef idx="1">
+            <a:schemeClr val="accent1"/>
+          </a:lnRef>
+          <a:fillRef idx="0">
+            <a:schemeClr val="accent1"/>
+          </a:fillRef>
+          <a:effectRef idx="0">
+            <a:schemeClr val="accent1"/>
+          </a:effectRef>
+          <a:fontRef idx="minor">
+            <a:schemeClr val="tx1"/>
+          </a:fontRef>
+        </p:style>
+      </p:cxnSp>
+      <p:cxnSp>
+        <p:nvCxnSpPr>
+          <p:cNvPr id="5" name="Straight Arrow Connector 4">
+            <a:extLst>
+              <a:ext uri="{FF2B5EF4-FFF2-40B4-BE49-F238E27FC236}">
+                <a16:creationId xmlns:a16="http://schemas.microsoft.com/office/drawing/2014/main" id="{C81FE405-B5AA-2144-BBF5-073CE804B2BE}"/>
+              </a:ext>
+            </a:extLst>
+          </p:cNvPr>
+          <p:cNvCxnSpPr/>
+          <p:nvPr/>
+        </p:nvCxnSpPr>
+        <p:spPr>
+          <a:xfrm flipH="1">
+            <a:off x="4395730" y="3920169"/>
+            <a:ext cx="352540" cy="0"/>
+          </a:xfrm>
+          <a:prstGeom prst="straightConnector1">
+            <a:avLst/>
+          </a:prstGeom>
+          <a:ln w="38100">
+            <a:solidFill>
+              <a:srgbClr val="FF0000"/>
+            </a:solidFill>
+            <a:tailEnd type="triangle"/>
+          </a:ln>
+        </p:spPr>
+        <p:style>
+          <a:lnRef idx="1">
+            <a:schemeClr val="accent1"/>
+          </a:lnRef>
+          <a:fillRef idx="0">
+            <a:schemeClr val="accent1"/>
+          </a:fillRef>
+          <a:effectRef idx="0">
+            <a:schemeClr val="accent1"/>
+          </a:effectRef>
+          <a:fontRef idx="minor">
+            <a:schemeClr val="tx1"/>
+          </a:fontRef>
+        </p:style>
+      </p:cxnSp>
+      <p:sp>
+        <p:nvSpPr>
+          <p:cNvPr id="6" name="TextBox 5">
+            <a:extLst>
+              <a:ext uri="{FF2B5EF4-FFF2-40B4-BE49-F238E27FC236}">
+                <a16:creationId xmlns:a16="http://schemas.microsoft.com/office/drawing/2014/main" id="{60CB8E63-A7A2-E94A-8E25-DB20C5796B29}"/>
+              </a:ext>
+            </a:extLst>
+          </p:cNvPr>
+          <p:cNvSpPr txBox="1"/>
+          <p:nvPr/>
+        </p:nvSpPr>
+        <p:spPr>
+          <a:xfrm>
+            <a:off x="4847421" y="2776249"/>
+            <a:ext cx="1518364" cy="369332"/>
+          </a:xfrm>
+          <a:prstGeom prst="rect">
+            <a:avLst/>
+          </a:prstGeom>
+          <a:noFill/>
+        </p:spPr>
+        <p:txBody>
+          <a:bodyPr wrap="none" rtlCol="0">
+            <a:spAutoFit/>
+          </a:bodyPr>
+          <a:lstStyle/>
+          <a:p>
+            <a:r>
+              <a:rPr lang="en-US" b="1" dirty="0">
+                <a:solidFill>
+                  <a:srgbClr val="FF0000"/>
+                </a:solidFill>
+              </a:rPr>
+              <a:t>Comet output</a:t>
+            </a:r>
+          </a:p>
+        </p:txBody>
+      </p:sp>
+      <p:sp>
+        <p:nvSpPr>
+          <p:cNvPr id="7" name="TextBox 6">
+            <a:extLst>
+              <a:ext uri="{FF2B5EF4-FFF2-40B4-BE49-F238E27FC236}">
+                <a16:creationId xmlns:a16="http://schemas.microsoft.com/office/drawing/2014/main" id="{25DBC368-F4BB-594F-AE3F-730869A3B34D}"/>
+              </a:ext>
+            </a:extLst>
+          </p:cNvPr>
+          <p:cNvSpPr txBox="1"/>
+          <p:nvPr/>
+        </p:nvSpPr>
+        <p:spPr>
+          <a:xfrm>
+            <a:off x="4781320" y="3743897"/>
+            <a:ext cx="1786386" cy="369332"/>
+          </a:xfrm>
+          <a:prstGeom prst="rect">
+            <a:avLst/>
+          </a:prstGeom>
+          <a:noFill/>
+        </p:spPr>
+        <p:txBody>
+          <a:bodyPr wrap="none" rtlCol="0">
+            <a:spAutoFit/>
+          </a:bodyPr>
+          <a:lstStyle/>
+          <a:p>
+            <a:r>
+              <a:rPr lang="en-US" b="1" dirty="0">
+                <a:solidFill>
+                  <a:srgbClr val="FF0000"/>
+                </a:solidFill>
+              </a:rPr>
+              <a:t>Top hit summary</a:t>
+            </a:r>
+          </a:p>
+        </p:txBody>
+      </p:sp>
     </p:spTree>
     <p:extLst>
       <p:ext uri="{BB962C8B-B14F-4D97-AF65-F5344CB8AC3E}">
